--- a/Schemes/Graphical Abstract/Graphical abstract.pptx
+++ b/Schemes/Graphical Abstract/Graphical abstract.pptx
@@ -8,6 +8,7 @@
     <p:sldId id="256" r:id="rId2"/>
     <p:sldId id="257" r:id="rId3"/>
     <p:sldId id="259" r:id="rId4"/>
+    <p:sldId id="260" r:id="rId5"/>
   </p:sldIdLst>
   <p:sldSz cx="9144000" cy="6858000" type="screen4x3"/>
   <p:notesSz cx="6858000" cy="9144000"/>
@@ -304,7 +305,7 @@
           <a:p>
             <a:fld id="{4FF6108A-4699-4B48-87C6-9BE218314269}" type="datetimeFigureOut">
               <a:rPr lang="en-US" smtClean="0"/>
-              <a:t>8/30/2019</a:t>
+              <a:t>7/23/2020</a:t>
             </a:fld>
             <a:endParaRPr lang="en-US"/>
           </a:p>
@@ -472,7 +473,7 @@
           <a:p>
             <a:fld id="{4FF6108A-4699-4B48-87C6-9BE218314269}" type="datetimeFigureOut">
               <a:rPr lang="en-US" smtClean="0"/>
-              <a:t>8/30/2019</a:t>
+              <a:t>7/23/2020</a:t>
             </a:fld>
             <a:endParaRPr lang="en-US"/>
           </a:p>
@@ -650,7 +651,7 @@
           <a:p>
             <a:fld id="{4FF6108A-4699-4B48-87C6-9BE218314269}" type="datetimeFigureOut">
               <a:rPr lang="en-US" smtClean="0"/>
-              <a:t>8/30/2019</a:t>
+              <a:t>7/23/2020</a:t>
             </a:fld>
             <a:endParaRPr lang="en-US"/>
           </a:p>
@@ -818,7 +819,7 @@
           <a:p>
             <a:fld id="{4FF6108A-4699-4B48-87C6-9BE218314269}" type="datetimeFigureOut">
               <a:rPr lang="en-US" smtClean="0"/>
-              <a:t>8/30/2019</a:t>
+              <a:t>7/23/2020</a:t>
             </a:fld>
             <a:endParaRPr lang="en-US"/>
           </a:p>
@@ -1063,7 +1064,7 @@
           <a:p>
             <a:fld id="{4FF6108A-4699-4B48-87C6-9BE218314269}" type="datetimeFigureOut">
               <a:rPr lang="en-US" smtClean="0"/>
-              <a:t>8/30/2019</a:t>
+              <a:t>7/23/2020</a:t>
             </a:fld>
             <a:endParaRPr lang="en-US"/>
           </a:p>
@@ -1348,7 +1349,7 @@
           <a:p>
             <a:fld id="{4FF6108A-4699-4B48-87C6-9BE218314269}" type="datetimeFigureOut">
               <a:rPr lang="en-US" smtClean="0"/>
-              <a:t>8/30/2019</a:t>
+              <a:t>7/23/2020</a:t>
             </a:fld>
             <a:endParaRPr lang="en-US"/>
           </a:p>
@@ -1767,7 +1768,7 @@
           <a:p>
             <a:fld id="{4FF6108A-4699-4B48-87C6-9BE218314269}" type="datetimeFigureOut">
               <a:rPr lang="en-US" smtClean="0"/>
-              <a:t>8/30/2019</a:t>
+              <a:t>7/23/2020</a:t>
             </a:fld>
             <a:endParaRPr lang="en-US"/>
           </a:p>
@@ -1884,7 +1885,7 @@
           <a:p>
             <a:fld id="{4FF6108A-4699-4B48-87C6-9BE218314269}" type="datetimeFigureOut">
               <a:rPr lang="en-US" smtClean="0"/>
-              <a:t>8/30/2019</a:t>
+              <a:t>7/23/2020</a:t>
             </a:fld>
             <a:endParaRPr lang="en-US"/>
           </a:p>
@@ -1979,7 +1980,7 @@
           <a:p>
             <a:fld id="{4FF6108A-4699-4B48-87C6-9BE218314269}" type="datetimeFigureOut">
               <a:rPr lang="en-US" smtClean="0"/>
-              <a:t>8/30/2019</a:t>
+              <a:t>7/23/2020</a:t>
             </a:fld>
             <a:endParaRPr lang="en-US"/>
           </a:p>
@@ -2254,7 +2255,7 @@
           <a:p>
             <a:fld id="{4FF6108A-4699-4B48-87C6-9BE218314269}" type="datetimeFigureOut">
               <a:rPr lang="en-US" smtClean="0"/>
-              <a:t>8/30/2019</a:t>
+              <a:t>7/23/2020</a:t>
             </a:fld>
             <a:endParaRPr lang="en-US"/>
           </a:p>
@@ -2506,7 +2507,7 @@
           <a:p>
             <a:fld id="{4FF6108A-4699-4B48-87C6-9BE218314269}" type="datetimeFigureOut">
               <a:rPr lang="en-US" smtClean="0"/>
-              <a:t>8/30/2019</a:t>
+              <a:t>7/23/2020</a:t>
             </a:fld>
             <a:endParaRPr lang="en-US"/>
           </a:p>
@@ -2717,7 +2718,7 @@
           <a:p>
             <a:fld id="{4FF6108A-4699-4B48-87C6-9BE218314269}" type="datetimeFigureOut">
               <a:rPr lang="en-US" smtClean="0"/>
-              <a:t>8/30/2019</a:t>
+              <a:t>7/23/2020</a:t>
             </a:fld>
             <a:endParaRPr lang="en-US"/>
           </a:p>
@@ -3379,7 +3380,7 @@
           <a:graphicData uri="http://schemas.openxmlformats.org/presentationml/2006/ole">
             <mc:AlternateContent xmlns:mc="http://schemas.openxmlformats.org/markup-compatibility/2006">
               <mc:Choice xmlns:v="urn:schemas-microsoft-com:vml" Requires="v">
-                <p:oleObj spid="_x0000_s1039" name="CS ChemDraw Drawing" r:id="rId3" imgW="2062872" imgH="2825025" progId="ChemDraw.Document.6.0">
+                <p:oleObj spid="_x0000_s1043" name="CS ChemDraw Drawing" r:id="rId3" imgW="2062872" imgH="2825025" progId="ChemDraw.Document.6.0">
                   <p:embed/>
                 </p:oleObj>
               </mc:Choice>
@@ -3681,7 +3682,7 @@
             <a:graphicData uri="http://schemas.openxmlformats.org/presentationml/2006/ole">
               <mc:AlternateContent xmlns:mc="http://schemas.openxmlformats.org/markup-compatibility/2006">
                 <mc:Choice xmlns:v="urn:schemas-microsoft-com:vml" Requires="v">
-                  <p:oleObj spid="_x0000_s1040" name="CS ChemDraw Drawing" r:id="rId5" imgW="1406263" imgH="1808438" progId="ChemDraw.Document.6.0">
+                  <p:oleObj spid="_x0000_s1044" name="CS ChemDraw Drawing" r:id="rId5" imgW="1406263" imgH="1808438" progId="ChemDraw.Document.6.0">
                     <p:embed/>
                   </p:oleObj>
                 </mc:Choice>
@@ -3973,7 +3974,7 @@
           <a:graphicData uri="http://schemas.openxmlformats.org/presentationml/2006/ole">
             <mc:AlternateContent xmlns:mc="http://schemas.openxmlformats.org/markup-compatibility/2006">
               <mc:Choice xmlns:v="urn:schemas-microsoft-com:vml" Requires="v">
-                <p:oleObj spid="_x0000_s3078" name="CS ChemDraw Drawing" r:id="rId3" imgW="2062872" imgH="2825025" progId="ChemDraw.Document.6.0">
+                <p:oleObj spid="_x0000_s3082" name="CS ChemDraw Drawing" r:id="rId3" imgW="2062872" imgH="2825025" progId="ChemDraw.Document.6.0">
                   <p:embed/>
                 </p:oleObj>
               </mc:Choice>
@@ -4281,7 +4282,7 @@
             <a:graphicData uri="http://schemas.openxmlformats.org/presentationml/2006/ole">
               <mc:AlternateContent xmlns:mc="http://schemas.openxmlformats.org/markup-compatibility/2006">
                 <mc:Choice xmlns:v="urn:schemas-microsoft-com:vml" Requires="v">
-                  <p:oleObj spid="_x0000_s3079" name="CS ChemDraw Drawing" r:id="rId5" imgW="1406263" imgH="1808438" progId="ChemDraw.Document.6.0">
+                  <p:oleObj spid="_x0000_s3083" name="CS ChemDraw Drawing" r:id="rId5" imgW="1406263" imgH="1808438" progId="ChemDraw.Document.6.0">
                     <p:embed/>
                   </p:oleObj>
                 </mc:Choice>
@@ -4728,6 +4729,957 @@
     <p:extLst>
       <p:ext uri="{BB962C8B-B14F-4D97-AF65-F5344CB8AC3E}">
         <p14:creationId xmlns:p14="http://schemas.microsoft.com/office/powerpoint/2010/main" val="369936380"/>
+      </p:ext>
+    </p:extLst>
+  </p:cSld>
+  <p:clrMapOvr>
+    <a:masterClrMapping/>
+  </p:clrMapOvr>
+</p:sld>
+</file>
+
+<file path=ppt/slides/slide4.xml><?xml version="1.0" encoding="utf-8"?>
+<p:sld xmlns:a="http://schemas.openxmlformats.org/drawingml/2006/main" xmlns:r="http://schemas.openxmlformats.org/officeDocument/2006/relationships" xmlns:p="http://schemas.openxmlformats.org/presentationml/2006/main">
+  <p:cSld>
+    <p:spTree>
+      <p:nvGrpSpPr>
+        <p:cNvPr id="1" name=""/>
+        <p:cNvGrpSpPr/>
+        <p:nvPr/>
+      </p:nvGrpSpPr>
+      <p:grpSpPr>
+        <a:xfrm>
+          <a:off x="0" y="0"/>
+          <a:ext cx="0" cy="0"/>
+          <a:chOff x="0" y="0"/>
+          <a:chExt cx="0" cy="0"/>
+        </a:xfrm>
+      </p:grpSpPr>
+      <p:grpSp>
+        <p:nvGrpSpPr>
+          <p:cNvPr id="18" name="Group 17">
+            <a:extLst>
+              <a:ext uri="{FF2B5EF4-FFF2-40B4-BE49-F238E27FC236}">
+                <a16:creationId xmlns:a16="http://schemas.microsoft.com/office/drawing/2014/main" id="{01857D3C-A87F-4BF7-9C91-E2AA713565DD}"/>
+              </a:ext>
+            </a:extLst>
+          </p:cNvPr>
+          <p:cNvGrpSpPr/>
+          <p:nvPr/>
+        </p:nvGrpSpPr>
+        <p:grpSpPr>
+          <a:xfrm>
+            <a:off x="14068" y="1138000"/>
+            <a:ext cx="2990954" cy="4079631"/>
+            <a:chOff x="-26811" y="256128"/>
+            <a:chExt cx="2990954" cy="4079631"/>
+          </a:xfrm>
+        </p:grpSpPr>
+        <p:sp>
+          <p:nvSpPr>
+            <p:cNvPr id="20" name="Rectangle: Rounded Corners 19">
+              <a:extLst>
+                <a:ext uri="{FF2B5EF4-FFF2-40B4-BE49-F238E27FC236}">
+                  <a16:creationId xmlns:a16="http://schemas.microsoft.com/office/drawing/2014/main" id="{5AFE5D9D-CE33-47DC-94B4-F1552D3C8325}"/>
+                </a:ext>
+              </a:extLst>
+            </p:cNvPr>
+            <p:cNvSpPr/>
+            <p:nvPr/>
+          </p:nvSpPr>
+          <p:spPr>
+            <a:xfrm>
+              <a:off x="-26811" y="256128"/>
+              <a:ext cx="2990954" cy="4079631"/>
+            </a:xfrm>
+            <a:prstGeom prst="roundRect">
+              <a:avLst/>
+            </a:prstGeom>
+            <a:gradFill flip="none" rotWithShape="1">
+              <a:gsLst>
+                <a:gs pos="0">
+                  <a:srgbClr val="A53F3C">
+                    <a:tint val="66000"/>
+                    <a:satMod val="160000"/>
+                  </a:srgbClr>
+                </a:gs>
+                <a:gs pos="50000">
+                  <a:srgbClr val="A53F3C">
+                    <a:tint val="44500"/>
+                    <a:satMod val="160000"/>
+                  </a:srgbClr>
+                </a:gs>
+                <a:gs pos="100000">
+                  <a:srgbClr val="A53F3C">
+                    <a:tint val="23500"/>
+                    <a:satMod val="160000"/>
+                  </a:srgbClr>
+                </a:gs>
+              </a:gsLst>
+              <a:lin ang="5400000" scaled="1"/>
+              <a:tileRect/>
+            </a:gradFill>
+            <a:ln>
+              <a:noFill/>
+            </a:ln>
+          </p:spPr>
+          <p:style>
+            <a:lnRef idx="1">
+              <a:schemeClr val="accent1"/>
+            </a:lnRef>
+            <a:fillRef idx="3">
+              <a:schemeClr val="accent1"/>
+            </a:fillRef>
+            <a:effectRef idx="2">
+              <a:schemeClr val="accent1"/>
+            </a:effectRef>
+            <a:fontRef idx="minor">
+              <a:schemeClr val="lt1"/>
+            </a:fontRef>
+          </p:style>
+          <p:txBody>
+            <a:bodyPr rtlCol="0" anchor="ctr"/>
+            <a:lstStyle/>
+            <a:p>
+              <a:pPr algn="ctr"/>
+              <a:endParaRPr lang="en-US"/>
+            </a:p>
+          </p:txBody>
+        </p:sp>
+        <p:graphicFrame>
+          <p:nvGraphicFramePr>
+            <p:cNvPr id="2" name="Object 1">
+              <a:extLst>
+                <a:ext uri="{FF2B5EF4-FFF2-40B4-BE49-F238E27FC236}">
+                  <a16:creationId xmlns:a16="http://schemas.microsoft.com/office/drawing/2014/main" id="{02E0DC8E-259B-45E3-A9C8-5C1B91D63214}"/>
+                </a:ext>
+              </a:extLst>
+            </p:cNvPr>
+            <p:cNvGraphicFramePr>
+              <a:graphicFrameLocks noChangeAspect="1"/>
+            </p:cNvGraphicFramePr>
+            <p:nvPr>
+              <p:extLst>
+                <p:ext uri="{D42A27DB-BD31-4B8C-83A1-F6EECF244321}">
+                  <p14:modId xmlns:p14="http://schemas.microsoft.com/office/powerpoint/2010/main" val="440923060"/>
+                </p:ext>
+              </p:extLst>
+            </p:nvPr>
+          </p:nvGraphicFramePr>
+          <p:xfrm>
+            <a:off x="247085" y="429043"/>
+            <a:ext cx="2443163" cy="3733800"/>
+          </p:xfrm>
+          <a:graphic>
+            <a:graphicData uri="http://schemas.openxmlformats.org/presentationml/2006/ole">
+              <mc:AlternateContent xmlns:mc="http://schemas.openxmlformats.org/markup-compatibility/2006">
+                <mc:Choice xmlns:v="urn:schemas-microsoft-com:vml" Requires="v">
+                  <p:oleObj spid="_x0000_s4100" name="CS ChemDraw Drawing" r:id="rId3" imgW="1628663" imgH="2491316" progId="ChemDraw.Document.6.0">
+                    <p:embed/>
+                  </p:oleObj>
+                </mc:Choice>
+                <mc:Fallback>
+                  <p:oleObj name="CS ChemDraw Drawing" r:id="rId3" imgW="1628663" imgH="2491316" progId="ChemDraw.Document.6.0">
+                    <p:embed/>
+                    <p:pic>
+                      <p:nvPicPr>
+                        <p:cNvPr id="2" name="Object 1">
+                          <a:extLst>
+                            <a:ext uri="{FF2B5EF4-FFF2-40B4-BE49-F238E27FC236}">
+                              <a16:creationId xmlns:a16="http://schemas.microsoft.com/office/drawing/2014/main" id="{02E0DC8E-259B-45E3-A9C8-5C1B91D63214}"/>
+                            </a:ext>
+                          </a:extLst>
+                        </p:cNvPr>
+                        <p:cNvPicPr/>
+                        <p:nvPr/>
+                      </p:nvPicPr>
+                      <p:blipFill>
+                        <a:blip r:embed="rId4"/>
+                        <a:stretch>
+                          <a:fillRect/>
+                        </a:stretch>
+                      </p:blipFill>
+                      <p:spPr>
+                        <a:xfrm>
+                          <a:off x="247085" y="429043"/>
+                          <a:ext cx="2443163" cy="3733800"/>
+                        </a:xfrm>
+                        <a:prstGeom prst="rect">
+                          <a:avLst/>
+                        </a:prstGeom>
+                      </p:spPr>
+                    </p:pic>
+                  </p:oleObj>
+                </mc:Fallback>
+              </mc:AlternateContent>
+            </a:graphicData>
+          </a:graphic>
+        </p:graphicFrame>
+      </p:grpSp>
+      <p:grpSp>
+        <p:nvGrpSpPr>
+          <p:cNvPr id="19" name="Group 18">
+            <a:extLst>
+              <a:ext uri="{FF2B5EF4-FFF2-40B4-BE49-F238E27FC236}">
+                <a16:creationId xmlns:a16="http://schemas.microsoft.com/office/drawing/2014/main" id="{4D5C9D1D-FC01-48AD-AE72-B1A1927084C8}"/>
+              </a:ext>
+            </a:extLst>
+          </p:cNvPr>
+          <p:cNvGrpSpPr/>
+          <p:nvPr/>
+        </p:nvGrpSpPr>
+        <p:grpSpPr>
+          <a:xfrm>
+            <a:off x="3075469" y="1119131"/>
+            <a:ext cx="2990954" cy="4079631"/>
+            <a:chOff x="3076522" y="237259"/>
+            <a:chExt cx="2990954" cy="4079631"/>
+          </a:xfrm>
+        </p:grpSpPr>
+        <p:sp>
+          <p:nvSpPr>
+            <p:cNvPr id="15" name="Rectangle: Rounded Corners 14">
+              <a:extLst>
+                <a:ext uri="{FF2B5EF4-FFF2-40B4-BE49-F238E27FC236}">
+                  <a16:creationId xmlns:a16="http://schemas.microsoft.com/office/drawing/2014/main" id="{229BB63C-8331-420A-B27A-12DC28C8EB96}"/>
+                </a:ext>
+              </a:extLst>
+            </p:cNvPr>
+            <p:cNvSpPr/>
+            <p:nvPr/>
+          </p:nvSpPr>
+          <p:spPr>
+            <a:xfrm>
+              <a:off x="3076522" y="237259"/>
+              <a:ext cx="2990954" cy="4079631"/>
+            </a:xfrm>
+            <a:prstGeom prst="roundRect">
+              <a:avLst/>
+            </a:prstGeom>
+            <a:gradFill flip="none" rotWithShape="1">
+              <a:gsLst>
+                <a:gs pos="0">
+                  <a:srgbClr val="A53F3C">
+                    <a:tint val="66000"/>
+                    <a:satMod val="160000"/>
+                  </a:srgbClr>
+                </a:gs>
+                <a:gs pos="50000">
+                  <a:srgbClr val="A53F3C">
+                    <a:tint val="44500"/>
+                    <a:satMod val="160000"/>
+                  </a:srgbClr>
+                </a:gs>
+                <a:gs pos="100000">
+                  <a:srgbClr val="A53F3C">
+                    <a:tint val="23500"/>
+                    <a:satMod val="160000"/>
+                  </a:srgbClr>
+                </a:gs>
+              </a:gsLst>
+              <a:lin ang="5400000" scaled="1"/>
+              <a:tileRect/>
+            </a:gradFill>
+            <a:ln>
+              <a:noFill/>
+            </a:ln>
+          </p:spPr>
+          <p:style>
+            <a:lnRef idx="1">
+              <a:schemeClr val="accent1"/>
+            </a:lnRef>
+            <a:fillRef idx="3">
+              <a:schemeClr val="accent1"/>
+            </a:fillRef>
+            <a:effectRef idx="2">
+              <a:schemeClr val="accent1"/>
+            </a:effectRef>
+            <a:fontRef idx="minor">
+              <a:schemeClr val="lt1"/>
+            </a:fontRef>
+          </p:style>
+          <p:txBody>
+            <a:bodyPr rtlCol="0" anchor="ctr"/>
+            <a:lstStyle/>
+            <a:p>
+              <a:pPr algn="ctr"/>
+              <a:endParaRPr lang="en-US"/>
+            </a:p>
+          </p:txBody>
+        </p:sp>
+        <p:grpSp>
+          <p:nvGrpSpPr>
+            <p:cNvPr id="7" name="Group 6">
+              <a:extLst>
+                <a:ext uri="{FF2B5EF4-FFF2-40B4-BE49-F238E27FC236}">
+                  <a16:creationId xmlns:a16="http://schemas.microsoft.com/office/drawing/2014/main" id="{F7D23C60-BC18-4371-A351-A7E98B192E68}"/>
+                </a:ext>
+              </a:extLst>
+            </p:cNvPr>
+            <p:cNvGrpSpPr>
+              <a:grpSpLocks noChangeAspect="1"/>
+            </p:cNvGrpSpPr>
+            <p:nvPr/>
+          </p:nvGrpSpPr>
+          <p:grpSpPr>
+            <a:xfrm>
+              <a:off x="3510755" y="737840"/>
+              <a:ext cx="2122488" cy="3078468"/>
+              <a:chOff x="3847605" y="2468538"/>
+              <a:chExt cx="2801131" cy="4065391"/>
+            </a:xfrm>
+          </p:grpSpPr>
+          <p:sp>
+            <p:nvSpPr>
+              <p:cNvPr id="8" name="Oval 7">
+                <a:extLst>
+                  <a:ext uri="{FF2B5EF4-FFF2-40B4-BE49-F238E27FC236}">
+                    <a16:creationId xmlns:a16="http://schemas.microsoft.com/office/drawing/2014/main" id="{9FCE772F-125F-4A4B-B238-55BB772CD22E}"/>
+                  </a:ext>
+                </a:extLst>
+              </p:cNvPr>
+              <p:cNvSpPr/>
+              <p:nvPr/>
+            </p:nvSpPr>
+            <p:spPr>
+              <a:xfrm>
+                <a:off x="5699072" y="3049710"/>
+                <a:ext cx="924808" cy="1009857"/>
+              </a:xfrm>
+              <a:prstGeom prst="ellipse">
+                <a:avLst/>
+              </a:prstGeom>
+              <a:solidFill>
+                <a:srgbClr val="FFC000">
+                  <a:alpha val="50196"/>
+                </a:srgbClr>
+              </a:solidFill>
+              <a:ln>
+                <a:noFill/>
+              </a:ln>
+            </p:spPr>
+            <p:style>
+              <a:lnRef idx="2">
+                <a:schemeClr val="accent1">
+                  <a:shade val="50000"/>
+                </a:schemeClr>
+              </a:lnRef>
+              <a:fillRef idx="1">
+                <a:schemeClr val="accent1"/>
+              </a:fillRef>
+              <a:effectRef idx="0">
+                <a:schemeClr val="accent1"/>
+              </a:effectRef>
+              <a:fontRef idx="minor">
+                <a:schemeClr val="lt1"/>
+              </a:fontRef>
+            </p:style>
+            <p:txBody>
+              <a:bodyPr rtlCol="0" anchor="ctr"/>
+              <a:lstStyle/>
+              <a:p>
+                <a:pPr algn="ctr"/>
+                <a:endParaRPr lang="en-US"/>
+              </a:p>
+            </p:txBody>
+          </p:sp>
+          <p:sp>
+            <p:nvSpPr>
+              <p:cNvPr id="9" name="Oval 8">
+                <a:extLst>
+                  <a:ext uri="{FF2B5EF4-FFF2-40B4-BE49-F238E27FC236}">
+                    <a16:creationId xmlns:a16="http://schemas.microsoft.com/office/drawing/2014/main" id="{4B6FE3F8-338A-4E42-BD60-E44E4408A318}"/>
+                  </a:ext>
+                </a:extLst>
+              </p:cNvPr>
+              <p:cNvSpPr/>
+              <p:nvPr/>
+            </p:nvSpPr>
+            <p:spPr>
+              <a:xfrm>
+                <a:off x="4710412" y="4003891"/>
+                <a:ext cx="1619775" cy="1053789"/>
+              </a:xfrm>
+              <a:prstGeom prst="ellipse">
+                <a:avLst/>
+              </a:prstGeom>
+              <a:solidFill>
+                <a:srgbClr val="548235">
+                  <a:alpha val="50196"/>
+                </a:srgbClr>
+              </a:solidFill>
+              <a:ln>
+                <a:noFill/>
+              </a:ln>
+            </p:spPr>
+            <p:style>
+              <a:lnRef idx="2">
+                <a:schemeClr val="accent1">
+                  <a:shade val="50000"/>
+                </a:schemeClr>
+              </a:lnRef>
+              <a:fillRef idx="1">
+                <a:schemeClr val="accent1"/>
+              </a:fillRef>
+              <a:effectRef idx="0">
+                <a:schemeClr val="accent1"/>
+              </a:effectRef>
+              <a:fontRef idx="minor">
+                <a:schemeClr val="lt1"/>
+              </a:fontRef>
+            </p:style>
+            <p:txBody>
+              <a:bodyPr rtlCol="0" anchor="ctr"/>
+              <a:lstStyle/>
+              <a:p>
+                <a:pPr algn="ctr"/>
+                <a:endParaRPr lang="en-US"/>
+              </a:p>
+            </p:txBody>
+          </p:sp>
+          <p:sp>
+            <p:nvSpPr>
+              <p:cNvPr id="10" name="Oval 9">
+                <a:extLst>
+                  <a:ext uri="{FF2B5EF4-FFF2-40B4-BE49-F238E27FC236}">
+                    <a16:creationId xmlns:a16="http://schemas.microsoft.com/office/drawing/2014/main" id="{E052D082-0A44-4217-B474-8854E39412C7}"/>
+                  </a:ext>
+                </a:extLst>
+              </p:cNvPr>
+              <p:cNvSpPr/>
+              <p:nvPr/>
+            </p:nvSpPr>
+            <p:spPr>
+              <a:xfrm>
+                <a:off x="3885239" y="2468538"/>
+                <a:ext cx="935268" cy="883756"/>
+              </a:xfrm>
+              <a:prstGeom prst="ellipse">
+                <a:avLst/>
+              </a:prstGeom>
+              <a:solidFill>
+                <a:schemeClr val="accent5">
+                  <a:lumMod val="75000"/>
+                  <a:alpha val="50196"/>
+                </a:schemeClr>
+              </a:solidFill>
+              <a:ln>
+                <a:noFill/>
+              </a:ln>
+            </p:spPr>
+            <p:style>
+              <a:lnRef idx="2">
+                <a:schemeClr val="accent1">
+                  <a:shade val="50000"/>
+                </a:schemeClr>
+              </a:lnRef>
+              <a:fillRef idx="1">
+                <a:schemeClr val="accent1"/>
+              </a:fillRef>
+              <a:effectRef idx="0">
+                <a:schemeClr val="accent1"/>
+              </a:effectRef>
+              <a:fontRef idx="minor">
+                <a:schemeClr val="lt1"/>
+              </a:fontRef>
+            </p:style>
+            <p:txBody>
+              <a:bodyPr rtlCol="0" anchor="ctr"/>
+              <a:lstStyle/>
+              <a:p>
+                <a:pPr algn="ctr"/>
+                <a:endParaRPr lang="en-US"/>
+              </a:p>
+            </p:txBody>
+          </p:sp>
+          <p:sp>
+            <p:nvSpPr>
+              <p:cNvPr id="11" name="Oval 10">
+                <a:extLst>
+                  <a:ext uri="{FF2B5EF4-FFF2-40B4-BE49-F238E27FC236}">
+                    <a16:creationId xmlns:a16="http://schemas.microsoft.com/office/drawing/2014/main" id="{32C0B52C-51FE-488F-8353-201592875148}"/>
+                  </a:ext>
+                </a:extLst>
+              </p:cNvPr>
+              <p:cNvSpPr/>
+              <p:nvPr/>
+            </p:nvSpPr>
+            <p:spPr>
+              <a:xfrm rot="19476278">
+                <a:off x="4792372" y="3138151"/>
+                <a:ext cx="588386" cy="874643"/>
+              </a:xfrm>
+              <a:prstGeom prst="ellipse">
+                <a:avLst/>
+              </a:prstGeom>
+              <a:solidFill>
+                <a:srgbClr val="C55A11">
+                  <a:alpha val="50196"/>
+                </a:srgbClr>
+              </a:solidFill>
+              <a:ln>
+                <a:noFill/>
+              </a:ln>
+            </p:spPr>
+            <p:style>
+              <a:lnRef idx="2">
+                <a:schemeClr val="accent1">
+                  <a:shade val="50000"/>
+                </a:schemeClr>
+              </a:lnRef>
+              <a:fillRef idx="1">
+                <a:schemeClr val="accent1"/>
+              </a:fillRef>
+              <a:effectRef idx="0">
+                <a:schemeClr val="accent1"/>
+              </a:effectRef>
+              <a:fontRef idx="minor">
+                <a:schemeClr val="lt1"/>
+              </a:fontRef>
+            </p:style>
+            <p:txBody>
+              <a:bodyPr rtlCol="0" anchor="ctr"/>
+              <a:lstStyle/>
+              <a:p>
+                <a:pPr algn="ctr"/>
+                <a:endParaRPr lang="en-US"/>
+              </a:p>
+            </p:txBody>
+          </p:sp>
+          <p:graphicFrame>
+            <p:nvGraphicFramePr>
+              <p:cNvPr id="12" name="Object 11">
+                <a:extLst>
+                  <a:ext uri="{FF2B5EF4-FFF2-40B4-BE49-F238E27FC236}">
+                    <a16:creationId xmlns:a16="http://schemas.microsoft.com/office/drawing/2014/main" id="{91D91BAD-1050-4D6C-B867-D474D95CC3EB}"/>
+                  </a:ext>
+                </a:extLst>
+              </p:cNvPr>
+              <p:cNvGraphicFramePr>
+                <a:graphicFrameLocks noChangeAspect="1"/>
+              </p:cNvGraphicFramePr>
+              <p:nvPr>
+                <p:extLst>
+                  <p:ext uri="{D42A27DB-BD31-4B8C-83A1-F6EECF244321}">
+                    <p14:modId xmlns:p14="http://schemas.microsoft.com/office/powerpoint/2010/main" val="2915945705"/>
+                  </p:ext>
+                </p:extLst>
+              </p:nvPr>
+            </p:nvGraphicFramePr>
+            <p:xfrm>
+              <a:off x="3847605" y="2527641"/>
+              <a:ext cx="2801131" cy="4006288"/>
+            </p:xfrm>
+            <a:graphic>
+              <a:graphicData uri="http://schemas.openxmlformats.org/presentationml/2006/ole">
+                <mc:AlternateContent xmlns:mc="http://schemas.openxmlformats.org/markup-compatibility/2006">
+                  <mc:Choice xmlns:v="urn:schemas-microsoft-com:vml" Requires="v">
+                    <p:oleObj spid="_x0000_s4101" name="CS ChemDraw Drawing" r:id="rId5" imgW="1406263" imgH="2008286" progId="ChemDraw.Document.6.0">
+                      <p:embed/>
+                    </p:oleObj>
+                  </mc:Choice>
+                  <mc:Fallback>
+                    <p:oleObj name="CS ChemDraw Drawing" r:id="rId5" imgW="1406263" imgH="2008286" progId="ChemDraw.Document.6.0">
+                      <p:embed/>
+                      <p:pic>
+                        <p:nvPicPr>
+                          <p:cNvPr id="12" name="Object 11">
+                            <a:extLst>
+                              <a:ext uri="{FF2B5EF4-FFF2-40B4-BE49-F238E27FC236}">
+                                <a16:creationId xmlns:a16="http://schemas.microsoft.com/office/drawing/2014/main" id="{91D91BAD-1050-4D6C-B867-D474D95CC3EB}"/>
+                              </a:ext>
+                            </a:extLst>
+                          </p:cNvPr>
+                          <p:cNvPicPr/>
+                          <p:nvPr/>
+                        </p:nvPicPr>
+                        <p:blipFill>
+                          <a:blip r:embed="rId6"/>
+                          <a:stretch>
+                            <a:fillRect/>
+                          </a:stretch>
+                        </p:blipFill>
+                        <p:spPr>
+                          <a:xfrm>
+                            <a:off x="3847605" y="2527641"/>
+                            <a:ext cx="2801131" cy="4006288"/>
+                          </a:xfrm>
+                          <a:prstGeom prst="rect">
+                            <a:avLst/>
+                          </a:prstGeom>
+                        </p:spPr>
+                      </p:pic>
+                    </p:oleObj>
+                  </mc:Fallback>
+                </mc:AlternateContent>
+              </a:graphicData>
+            </a:graphic>
+          </p:graphicFrame>
+        </p:grpSp>
+      </p:grpSp>
+      <p:grpSp>
+        <p:nvGrpSpPr>
+          <p:cNvPr id="22" name="Group 21">
+            <a:extLst>
+              <a:ext uri="{FF2B5EF4-FFF2-40B4-BE49-F238E27FC236}">
+                <a16:creationId xmlns:a16="http://schemas.microsoft.com/office/drawing/2014/main" id="{657070E8-1C7E-40A8-8FC5-191E1B359ABE}"/>
+              </a:ext>
+            </a:extLst>
+          </p:cNvPr>
+          <p:cNvGrpSpPr/>
+          <p:nvPr/>
+        </p:nvGrpSpPr>
+        <p:grpSpPr>
+          <a:xfrm>
+            <a:off x="6136871" y="1137999"/>
+            <a:ext cx="2990954" cy="4079631"/>
+            <a:chOff x="6095992" y="256127"/>
+            <a:chExt cx="2990954" cy="4079631"/>
+          </a:xfrm>
+        </p:grpSpPr>
+        <p:sp>
+          <p:nvSpPr>
+            <p:cNvPr id="21" name="Rectangle: Rounded Corners 20">
+              <a:extLst>
+                <a:ext uri="{FF2B5EF4-FFF2-40B4-BE49-F238E27FC236}">
+                  <a16:creationId xmlns:a16="http://schemas.microsoft.com/office/drawing/2014/main" id="{EAAD7414-2390-445F-9141-ABE8EA4705C2}"/>
+                </a:ext>
+              </a:extLst>
+            </p:cNvPr>
+            <p:cNvSpPr/>
+            <p:nvPr/>
+          </p:nvSpPr>
+          <p:spPr>
+            <a:xfrm>
+              <a:off x="6095992" y="256127"/>
+              <a:ext cx="2990954" cy="4079631"/>
+            </a:xfrm>
+            <a:prstGeom prst="roundRect">
+              <a:avLst/>
+            </a:prstGeom>
+            <a:gradFill flip="none" rotWithShape="1">
+              <a:gsLst>
+                <a:gs pos="0">
+                  <a:srgbClr val="A53F3C">
+                    <a:tint val="66000"/>
+                    <a:satMod val="160000"/>
+                  </a:srgbClr>
+                </a:gs>
+                <a:gs pos="50000">
+                  <a:srgbClr val="A53F3C">
+                    <a:tint val="44500"/>
+                    <a:satMod val="160000"/>
+                  </a:srgbClr>
+                </a:gs>
+                <a:gs pos="100000">
+                  <a:srgbClr val="A53F3C">
+                    <a:tint val="23500"/>
+                    <a:satMod val="160000"/>
+                  </a:srgbClr>
+                </a:gs>
+              </a:gsLst>
+              <a:lin ang="5400000" scaled="1"/>
+              <a:tileRect/>
+            </a:gradFill>
+            <a:ln>
+              <a:noFill/>
+            </a:ln>
+          </p:spPr>
+          <p:style>
+            <a:lnRef idx="1">
+              <a:schemeClr val="accent1"/>
+            </a:lnRef>
+            <a:fillRef idx="3">
+              <a:schemeClr val="accent1"/>
+            </a:fillRef>
+            <a:effectRef idx="2">
+              <a:schemeClr val="accent1"/>
+            </a:effectRef>
+            <a:fontRef idx="minor">
+              <a:schemeClr val="lt1"/>
+            </a:fontRef>
+          </p:style>
+          <p:txBody>
+            <a:bodyPr rtlCol="0" anchor="ctr"/>
+            <a:lstStyle/>
+            <a:p>
+              <a:pPr algn="ctr"/>
+              <a:endParaRPr lang="en-US"/>
+            </a:p>
+          </p:txBody>
+        </p:sp>
+        <p:grpSp>
+          <p:nvGrpSpPr>
+            <p:cNvPr id="17" name="Group 16">
+              <a:extLst>
+                <a:ext uri="{FF2B5EF4-FFF2-40B4-BE49-F238E27FC236}">
+                  <a16:creationId xmlns:a16="http://schemas.microsoft.com/office/drawing/2014/main" id="{7E6CE5C9-DA40-48CC-AC3E-B421BBA97BDC}"/>
+                </a:ext>
+              </a:extLst>
+            </p:cNvPr>
+            <p:cNvGrpSpPr/>
+            <p:nvPr/>
+          </p:nvGrpSpPr>
+          <p:grpSpPr>
+            <a:xfrm>
+              <a:off x="6272278" y="374973"/>
+              <a:ext cx="2638382" cy="3841938"/>
+              <a:chOff x="6235487" y="474263"/>
+              <a:chExt cx="2638382" cy="3841938"/>
+            </a:xfrm>
+          </p:grpSpPr>
+          <p:sp>
+            <p:nvSpPr>
+              <p:cNvPr id="3" name="TextBox 2">
+                <a:extLst>
+                  <a:ext uri="{FF2B5EF4-FFF2-40B4-BE49-F238E27FC236}">
+                    <a16:creationId xmlns:a16="http://schemas.microsoft.com/office/drawing/2014/main" id="{7389A5A5-3D65-4BFC-B8E2-E1682A72ED25}"/>
+                  </a:ext>
+                </a:extLst>
+              </p:cNvPr>
+              <p:cNvSpPr txBox="1"/>
+              <p:nvPr/>
+            </p:nvSpPr>
+            <p:spPr>
+              <a:xfrm>
+                <a:off x="6235487" y="474263"/>
+                <a:ext cx="2638382" cy="584775"/>
+              </a:xfrm>
+              <a:prstGeom prst="rect">
+                <a:avLst/>
+              </a:prstGeom>
+              <a:noFill/>
+            </p:spPr>
+            <p:txBody>
+              <a:bodyPr wrap="square" rtlCol="0">
+                <a:spAutoFit/>
+              </a:bodyPr>
+              <a:lstStyle/>
+              <a:p>
+                <a:pPr algn="ctr"/>
+                <a:r>
+                  <a:rPr lang="en-US" sz="1600" b="1" dirty="0">
+                    <a:latin typeface="Arial" panose="020B0604020202020204" pitchFamily="34" charset="0"/>
+                    <a:cs typeface="Arial" panose="020B0604020202020204" pitchFamily="34" charset="0"/>
+                  </a:rPr>
+                  <a:t>Mechanism of Action</a:t>
+                </a:r>
+              </a:p>
+              <a:p>
+                <a:pPr algn="ctr"/>
+                <a:r>
+                  <a:rPr lang="en-US" sz="1600" dirty="0">
+                    <a:latin typeface="Arial" panose="020B0604020202020204" pitchFamily="34" charset="0"/>
+                    <a:cs typeface="Arial" panose="020B0604020202020204" pitchFamily="34" charset="0"/>
+                  </a:rPr>
+                  <a:t>PfATP4</a:t>
+                </a:r>
+              </a:p>
+            </p:txBody>
+          </p:sp>
+          <p:pic>
+            <p:nvPicPr>
+              <p:cNvPr id="6" name="Picture 5" descr="A close up of a flower&#10;&#10;Description automatically generated">
+                <a:extLst>
+                  <a:ext uri="{FF2B5EF4-FFF2-40B4-BE49-F238E27FC236}">
+                    <a16:creationId xmlns:a16="http://schemas.microsoft.com/office/drawing/2014/main" id="{E682F744-830A-44CA-8800-F58CF82E0F53}"/>
+                  </a:ext>
+                </a:extLst>
+              </p:cNvPr>
+              <p:cNvPicPr>
+                <a:picLocks noChangeAspect="1"/>
+              </p:cNvPicPr>
+              <p:nvPr/>
+            </p:nvPicPr>
+            <p:blipFill>
+              <a:blip r:embed="rId7"/>
+              <a:stretch>
+                <a:fillRect/>
+              </a:stretch>
+            </p:blipFill>
+            <p:spPr>
+              <a:xfrm>
+                <a:off x="6411519" y="886722"/>
+                <a:ext cx="2286319" cy="3429479"/>
+              </a:xfrm>
+              <a:prstGeom prst="rect">
+                <a:avLst/>
+              </a:prstGeom>
+            </p:spPr>
+          </p:pic>
+        </p:grpSp>
+      </p:grpSp>
+      <p:grpSp>
+        <p:nvGrpSpPr>
+          <p:cNvPr id="23" name="Group 22">
+            <a:extLst>
+              <a:ext uri="{FF2B5EF4-FFF2-40B4-BE49-F238E27FC236}">
+                <a16:creationId xmlns:a16="http://schemas.microsoft.com/office/drawing/2014/main" id="{1F61955C-FFF1-4153-94D4-0DD553D81590}"/>
+              </a:ext>
+            </a:extLst>
+          </p:cNvPr>
+          <p:cNvGrpSpPr/>
+          <p:nvPr/>
+        </p:nvGrpSpPr>
+        <p:grpSpPr>
+          <a:xfrm>
+            <a:off x="0" y="5341980"/>
+            <a:ext cx="9170811" cy="1043582"/>
+            <a:chOff x="60433" y="4458390"/>
+            <a:chExt cx="9017391" cy="1043582"/>
+          </a:xfrm>
+        </p:grpSpPr>
+        <p:sp>
+          <p:nvSpPr>
+            <p:cNvPr id="14" name="Rectangle: Rounded Corners 13">
+              <a:extLst>
+                <a:ext uri="{FF2B5EF4-FFF2-40B4-BE49-F238E27FC236}">
+                  <a16:creationId xmlns:a16="http://schemas.microsoft.com/office/drawing/2014/main" id="{679BAA98-1A3D-48BC-8CE4-58AC9F23E273}"/>
+                </a:ext>
+              </a:extLst>
+            </p:cNvPr>
+            <p:cNvSpPr/>
+            <p:nvPr/>
+          </p:nvSpPr>
+          <p:spPr>
+            <a:xfrm>
+              <a:off x="60433" y="4458390"/>
+              <a:ext cx="9017391" cy="1043582"/>
+            </a:xfrm>
+            <a:prstGeom prst="roundRect">
+              <a:avLst/>
+            </a:prstGeom>
+            <a:solidFill>
+              <a:schemeClr val="accent2"/>
+            </a:solidFill>
+            <a:ln>
+              <a:noFill/>
+            </a:ln>
+            <a:effectLst/>
+            <a:scene3d>
+              <a:camera prst="orthographicFront"/>
+              <a:lightRig rig="threePt" dir="t"/>
+            </a:scene3d>
+            <a:sp3d>
+              <a:bevelT/>
+            </a:sp3d>
+          </p:spPr>
+          <p:style>
+            <a:lnRef idx="1">
+              <a:schemeClr val="accent1"/>
+            </a:lnRef>
+            <a:fillRef idx="3">
+              <a:schemeClr val="accent1"/>
+            </a:fillRef>
+            <a:effectRef idx="2">
+              <a:schemeClr val="accent1"/>
+            </a:effectRef>
+            <a:fontRef idx="minor">
+              <a:schemeClr val="lt1"/>
+            </a:fontRef>
+          </p:style>
+          <p:txBody>
+            <a:bodyPr rtlCol="0" anchor="ctr"/>
+            <a:lstStyle/>
+            <a:p>
+              <a:pPr algn="ctr"/>
+              <a:endParaRPr lang="en-US"/>
+            </a:p>
+          </p:txBody>
+        </p:sp>
+        <p:pic>
+          <p:nvPicPr>
+            <p:cNvPr id="1032" name="Picture 8" descr="Image result for open source malaria">
+              <a:extLst>
+                <a:ext uri="{FF2B5EF4-FFF2-40B4-BE49-F238E27FC236}">
+                  <a16:creationId xmlns:a16="http://schemas.microsoft.com/office/drawing/2014/main" id="{D1B91E17-F307-4AC5-ACCD-E5BD151A2A77}"/>
+                </a:ext>
+              </a:extLst>
+            </p:cNvPr>
+            <p:cNvPicPr>
+              <a:picLocks noChangeAspect="1" noChangeArrowheads="1"/>
+            </p:cNvPicPr>
+            <p:nvPr/>
+          </p:nvPicPr>
+          <p:blipFill>
+            <a:blip r:embed="rId8">
+              <a:extLst>
+                <a:ext uri="{28A0092B-C50C-407E-A947-70E740481C1C}">
+                  <a14:useLocalDpi xmlns:a14="http://schemas.microsoft.com/office/drawing/2010/main" val="0"/>
+                </a:ext>
+              </a:extLst>
+            </a:blip>
+            <a:srcRect/>
+            <a:stretch>
+              <a:fillRect/>
+            </a:stretch>
+          </p:blipFill>
+          <p:spPr bwMode="auto">
+            <a:xfrm>
+              <a:off x="7768218" y="4601390"/>
+              <a:ext cx="784940" cy="784940"/>
+            </a:xfrm>
+            <a:prstGeom prst="rect">
+              <a:avLst/>
+            </a:prstGeom>
+            <a:noFill/>
+            <a:extLst>
+              <a:ext uri="{909E8E84-426E-40DD-AFC4-6F175D3DCCD1}">
+                <a14:hiddenFill xmlns:a14="http://schemas.microsoft.com/office/drawing/2010/main">
+                  <a:solidFill>
+                    <a:srgbClr val="FFFFFF"/>
+                  </a:solidFill>
+                </a14:hiddenFill>
+              </a:ext>
+            </a:extLst>
+          </p:spPr>
+        </p:pic>
+        <p:sp>
+          <p:nvSpPr>
+            <p:cNvPr id="13" name="Rectangle 12">
+              <a:extLst>
+                <a:ext uri="{FF2B5EF4-FFF2-40B4-BE49-F238E27FC236}">
+                  <a16:creationId xmlns:a16="http://schemas.microsoft.com/office/drawing/2014/main" id="{72E6D794-60CF-4923-A340-BD844B03961A}"/>
+                </a:ext>
+              </a:extLst>
+            </p:cNvPr>
+            <p:cNvSpPr/>
+            <p:nvPr/>
+          </p:nvSpPr>
+          <p:spPr>
+            <a:xfrm>
+              <a:off x="530243" y="4516806"/>
+              <a:ext cx="6713310" cy="954107"/>
+            </a:xfrm>
+            <a:prstGeom prst="rect">
+              <a:avLst/>
+            </a:prstGeom>
+          </p:spPr>
+          <p:txBody>
+            <a:bodyPr wrap="square">
+              <a:spAutoFit/>
+            </a:bodyPr>
+            <a:lstStyle/>
+            <a:p>
+              <a:pPr algn="ctr"/>
+              <a:r>
+                <a:rPr lang="en-US" sz="2800" i="1" dirty="0">
+                  <a:solidFill>
+                    <a:schemeClr val="bg1"/>
+                  </a:solidFill>
+                  <a:latin typeface="Arial" panose="020B0604020202020204" pitchFamily="34" charset="0"/>
+                  <a:cs typeface="Arial" panose="020B0604020202020204" pitchFamily="34" charset="0"/>
+                </a:rPr>
+                <a:t>All data public domain through open source consortium</a:t>
+              </a:r>
+            </a:p>
+          </p:txBody>
+        </p:sp>
+      </p:grpSp>
+    </p:spTree>
+    <p:extLst>
+      <p:ext uri="{BB962C8B-B14F-4D97-AF65-F5344CB8AC3E}">
+        <p14:creationId xmlns:p14="http://schemas.microsoft.com/office/powerpoint/2010/main" val="3863652383"/>
       </p:ext>
     </p:extLst>
   </p:cSld>
